--- a/2. 주소록 조회 시스템(웹)/주소록 관리 웹사이트 개발.pptx
+++ b/2. 주소록 조회 시스템(웹)/주소록 관리 웹사이트 개발.pptx
@@ -294,7 +294,7 @@
           <a:p>
             <a:fld id="{9130FEBE-8A97-4855-8104-A03E1EFF1A94}" type="datetimeFigureOut">
               <a:rPr lang="ko-KR" altLang="en-US" smtClean="0"/>
-              <a:t>2022-08-07</a:t>
+              <a:t>2023-07-26</a:t>
             </a:fld>
             <a:endParaRPr lang="ko-KR" altLang="en-US"/>
           </a:p>
@@ -496,7 +496,7 @@
           <a:p>
             <a:fld id="{9130FEBE-8A97-4855-8104-A03E1EFF1A94}" type="datetimeFigureOut">
               <a:rPr lang="ko-KR" altLang="en-US" smtClean="0"/>
-              <a:t>2022-08-07</a:t>
+              <a:t>2023-07-26</a:t>
             </a:fld>
             <a:endParaRPr lang="ko-KR" altLang="en-US"/>
           </a:p>
@@ -737,7 +737,7 @@
           <a:p>
             <a:fld id="{9130FEBE-8A97-4855-8104-A03E1EFF1A94}" type="datetimeFigureOut">
               <a:rPr lang="ko-KR" altLang="en-US" smtClean="0"/>
-              <a:t>2022-08-07</a:t>
+              <a:t>2023-07-26</a:t>
             </a:fld>
             <a:endParaRPr lang="ko-KR" altLang="en-US"/>
           </a:p>
@@ -1250,10 +1250,10 @@
         </p:nvGrpSpPr>
         <p:grpSpPr>
           <a:xfrm>
-            <a:off x="3182593" y="2398775"/>
-            <a:ext cx="5759911" cy="2060449"/>
-            <a:chOff x="3182593" y="2331098"/>
-            <a:chExt cx="5759911" cy="2060449"/>
+            <a:off x="1064228" y="2398775"/>
+            <a:ext cx="9996647" cy="2060449"/>
+            <a:chOff x="1064228" y="2331098"/>
+            <a:chExt cx="9996647" cy="2060449"/>
           </a:xfrm>
         </p:grpSpPr>
         <p:grpSp>
@@ -1494,8 +1494,8 @@
           </p:nvSpPr>
           <p:spPr>
             <a:xfrm>
-              <a:off x="3182593" y="3283551"/>
-              <a:ext cx="5759911" cy="1107996"/>
+              <a:off x="1064228" y="3283551"/>
+              <a:ext cx="9996647" cy="1107996"/>
             </a:xfrm>
             <a:prstGeom prst="rect">
               <a:avLst/>
@@ -1510,14 +1510,44 @@
             <a:p>
               <a:pPr algn="ctr"/>
               <a:r>
-                <a:rPr lang="en-US" altLang="ko-KR" sz="6600" b="1" dirty="0">
+                <a:rPr lang="en-US" altLang="ko-KR" sz="6600" b="1" dirty="0" err="1" smtClean="0">
                   <a:solidFill>
                     <a:schemeClr val="accent6"/>
                   </a:solidFill>
                   <a:latin typeface="+mj-ea"/>
                   <a:ea typeface="+mj-ea"/>
                 </a:rPr>
-                <a:t>CODE: Simple</a:t>
+                <a:t>Ppt</a:t>
+              </a:r>
+              <a:r>
+                <a:rPr lang="ko-KR" altLang="en-US" sz="6600" b="1" dirty="0" smtClean="0">
+                  <a:solidFill>
+                    <a:schemeClr val="accent6"/>
+                  </a:solidFill>
+                  <a:latin typeface="+mj-ea"/>
+                  <a:ea typeface="+mj-ea"/>
+                </a:rPr>
+                <a:t>는 현재 </a:t>
+              </a:r>
+              <a:r>
+                <a:rPr lang="ko-KR" altLang="en-US" sz="6600" b="1" dirty="0" err="1" smtClean="0">
+                  <a:solidFill>
+                    <a:schemeClr val="accent6"/>
+                  </a:solidFill>
+                  <a:latin typeface="+mj-ea"/>
+                  <a:ea typeface="+mj-ea"/>
+                </a:rPr>
+                <a:t>작성중입니다</a:t>
+              </a:r>
+              <a:r>
+                <a:rPr lang="en-US" altLang="ko-KR" sz="6600" b="1" dirty="0" smtClean="0">
+                  <a:solidFill>
+                    <a:schemeClr val="accent6"/>
+                  </a:solidFill>
+                  <a:latin typeface="+mj-ea"/>
+                  <a:ea typeface="+mj-ea"/>
+                </a:rPr>
+                <a:t>.</a:t>
               </a:r>
               <a:endParaRPr lang="ko-KR" altLang="en-US" sz="6600" b="1" dirty="0">
                 <a:solidFill>
@@ -5225,7 +5255,7 @@
                 <a:tailEnd type="arrow" w="med" len="med"/>
                 <a:extLst>
                   <a:ext uri="{C807C97D-BFC1-408E-A445-0C87EB9F89A2}">
-                    <ask:lineSketchStyleProps xmlns:ask="http://schemas.microsoft.com/office/drawing/2018/sketchyshapes" sd="4266498984">
+                    <ask:lineSketchStyleProps xmlns:ask="http://schemas.microsoft.com/office/drawing/2018/sketchyshapes" xmlns="" sd="4266498984">
                       <a:custGeom>
                         <a:avLst/>
                         <a:gdLst>
@@ -5358,7 +5388,7 @@
                 <a:tailEnd type="arrow" w="med" len="med"/>
                 <a:extLst>
                   <a:ext uri="{C807C97D-BFC1-408E-A445-0C87EB9F89A2}">
-                    <ask:lineSketchStyleProps xmlns:ask="http://schemas.microsoft.com/office/drawing/2018/sketchyshapes" sd="4266498984">
+                    <ask:lineSketchStyleProps xmlns:ask="http://schemas.microsoft.com/office/drawing/2018/sketchyshapes" xmlns="" sd="4266498984">
                       <a:custGeom>
                         <a:avLst/>
                         <a:gdLst>
@@ -5491,7 +5521,7 @@
                 <a:tailEnd type="arrow" w="med" len="med"/>
                 <a:extLst>
                   <a:ext uri="{C807C97D-BFC1-408E-A445-0C87EB9F89A2}">
-                    <ask:lineSketchStyleProps xmlns:ask="http://schemas.microsoft.com/office/drawing/2018/sketchyshapes" sd="4266498984">
+                    <ask:lineSketchStyleProps xmlns:ask="http://schemas.microsoft.com/office/drawing/2018/sketchyshapes" xmlns="" sd="4266498984">
                       <a:custGeom>
                         <a:avLst/>
                         <a:gdLst>
@@ -5624,7 +5654,7 @@
                 <a:tailEnd type="arrow" w="med" len="med"/>
                 <a:extLst>
                   <a:ext uri="{C807C97D-BFC1-408E-A445-0C87EB9F89A2}">
-                    <ask:lineSketchStyleProps xmlns:ask="http://schemas.microsoft.com/office/drawing/2018/sketchyshapes" sd="4266498984">
+                    <ask:lineSketchStyleProps xmlns:ask="http://schemas.microsoft.com/office/drawing/2018/sketchyshapes" xmlns="" sd="4266498984">
                       <a:custGeom>
                         <a:avLst/>
                         <a:gdLst>
@@ -5868,7 +5898,7 @@
                 <a:tailEnd type="arrow" w="med" len="med"/>
                 <a:extLst>
                   <a:ext uri="{C807C97D-BFC1-408E-A445-0C87EB9F89A2}">
-                    <ask:lineSketchStyleProps xmlns:ask="http://schemas.microsoft.com/office/drawing/2018/sketchyshapes" sd="4266498984">
+                    <ask:lineSketchStyleProps xmlns:ask="http://schemas.microsoft.com/office/drawing/2018/sketchyshapes" xmlns="" sd="4266498984">
                       <a:custGeom>
                         <a:avLst/>
                         <a:gdLst>
@@ -6001,7 +6031,7 @@
                 <a:tailEnd type="arrow" w="med" len="med"/>
                 <a:extLst>
                   <a:ext uri="{C807C97D-BFC1-408E-A445-0C87EB9F89A2}">
-                    <ask:lineSketchStyleProps xmlns:ask="http://schemas.microsoft.com/office/drawing/2018/sketchyshapes" sd="4266498984">
+                    <ask:lineSketchStyleProps xmlns:ask="http://schemas.microsoft.com/office/drawing/2018/sketchyshapes" xmlns="" sd="4266498984">
                       <a:custGeom>
                         <a:avLst/>
                         <a:gdLst>
@@ -6134,7 +6164,7 @@
                 <a:tailEnd type="arrow" w="med" len="med"/>
                 <a:extLst>
                   <a:ext uri="{C807C97D-BFC1-408E-A445-0C87EB9F89A2}">
-                    <ask:lineSketchStyleProps xmlns:ask="http://schemas.microsoft.com/office/drawing/2018/sketchyshapes" sd="4266498984">
+                    <ask:lineSketchStyleProps xmlns:ask="http://schemas.microsoft.com/office/drawing/2018/sketchyshapes" xmlns="" sd="4266498984">
                       <a:custGeom>
                         <a:avLst/>
                         <a:gdLst>
@@ -6267,7 +6297,7 @@
                 <a:tailEnd type="arrow" w="med" len="med"/>
                 <a:extLst>
                   <a:ext uri="{C807C97D-BFC1-408E-A445-0C87EB9F89A2}">
-                    <ask:lineSketchStyleProps xmlns:ask="http://schemas.microsoft.com/office/drawing/2018/sketchyshapes" sd="4266498984">
+                    <ask:lineSketchStyleProps xmlns:ask="http://schemas.microsoft.com/office/drawing/2018/sketchyshapes" xmlns="" sd="4266498984">
                       <a:custGeom>
                         <a:avLst/>
                         <a:gdLst>
